--- a/문서/보행팀/20221229_보행 팀 미팅 김영호.pptx
+++ b/문서/보행팀/20221229_보행 팀 미팅 김영호.pptx
@@ -16,12 +16,12 @@
   <p:notesSz cx="6858000" cy="9144000"/>
   <p:embeddedFontLst>
     <p:embeddedFont>
-      <p:font typeface="나눔고딕" pitchFamily="2" charset="-127"/>
+      <p:font typeface="나눔바른고딕" panose="020B0600000101010101" charset="-127"/>
       <p:regular r:id="rId6"/>
       <p:bold r:id="rId7"/>
     </p:embeddedFont>
     <p:embeddedFont>
-      <p:font typeface="나눔바른고딕" panose="020B0600000101010101" charset="-127"/>
+      <p:font typeface="나눔고딕" pitchFamily="2" charset="-127"/>
       <p:regular r:id="rId8"/>
       <p:bold r:id="rId9"/>
     </p:embeddedFont>
@@ -216,7 +216,7 @@
           <a:p>
             <a:fld id="{DE94603C-CA01-4BE5-ABE2-459761BDE6F7}" type="datetimeFigureOut">
               <a:rPr lang="ko-KR" altLang="en-US" smtClean="0"/>
-              <a:t>2022-12-27</a:t>
+              <a:t>2022-12-29</a:t>
             </a:fld>
             <a:endParaRPr lang="ko-KR" altLang="en-US"/>
           </a:p>
@@ -1435,7 +1435,7 @@
             <a:fld id="{8761FD00-3F21-42CF-9EF5-8F6D81CE3AFD}" type="datetimeFigureOut">
               <a:rPr lang="ko-KR" altLang="en-US" smtClean="0"/>
               <a:pPr/>
-              <a:t>2022-12-27</a:t>
+              <a:t>2022-12-29</a:t>
             </a:fld>
             <a:endParaRPr lang="ko-KR" altLang="en-US"/>
           </a:p>
@@ -2190,7 +2190,7 @@
             <a:fld id="{8761FD00-3F21-42CF-9EF5-8F6D81CE3AFD}" type="datetimeFigureOut">
               <a:rPr lang="ko-KR" altLang="en-US" smtClean="0"/>
               <a:pPr/>
-              <a:t>2022-12-27</a:t>
+              <a:t>2022-12-29</a:t>
             </a:fld>
             <a:endParaRPr lang="ko-KR" altLang="en-US"/>
           </a:p>
@@ -2507,7 +2507,7 @@
             <a:fld id="{8761FD00-3F21-42CF-9EF5-8F6D81CE3AFD}" type="datetimeFigureOut">
               <a:rPr lang="ko-KR" altLang="en-US" smtClean="0"/>
               <a:pPr/>
-              <a:t>2022-12-27</a:t>
+              <a:t>2022-12-29</a:t>
             </a:fld>
             <a:endParaRPr lang="ko-KR" altLang="en-US"/>
           </a:p>
@@ -2765,7 +2765,7 @@
             <a:fld id="{8761FD00-3F21-42CF-9EF5-8F6D81CE3AFD}" type="datetimeFigureOut">
               <a:rPr lang="ko-KR" altLang="en-US" smtClean="0"/>
               <a:pPr/>
-              <a:t>2022-12-27</a:t>
+              <a:t>2022-12-29</a:t>
             </a:fld>
             <a:endParaRPr lang="ko-KR" altLang="en-US"/>
           </a:p>
@@ -2994,7 +2994,7 @@
             <a:fld id="{8761FD00-3F21-42CF-9EF5-8F6D81CE3AFD}" type="datetimeFigureOut">
               <a:rPr lang="ko-KR" altLang="en-US" smtClean="0"/>
               <a:pPr/>
-              <a:t>2022-12-27</a:t>
+              <a:t>2022-12-29</a:t>
             </a:fld>
             <a:endParaRPr lang="ko-KR" altLang="en-US"/>
           </a:p>
@@ -3223,7 +3223,7 @@
             <a:fld id="{8761FD00-3F21-42CF-9EF5-8F6D81CE3AFD}" type="datetimeFigureOut">
               <a:rPr lang="ko-KR" altLang="en-US" smtClean="0"/>
               <a:pPr/>
-              <a:t>2022-12-27</a:t>
+              <a:t>2022-12-29</a:t>
             </a:fld>
             <a:endParaRPr lang="ko-KR" altLang="en-US"/>
           </a:p>
@@ -4618,7 +4618,7 @@
         </p:blipFill>
         <p:spPr>
           <a:xfrm>
-            <a:off x="903630" y="1483655"/>
+            <a:off x="885931" y="1483655"/>
             <a:ext cx="4591572" cy="4515989"/>
           </a:xfrm>
           <a:prstGeom prst="rect">
